--- a/东南大学2021/D01_开始需求分析.pptx
+++ b/东南大学2021/D01_开始需求分析.pptx
@@ -216,7 +216,7 @@
           <a:p>
             <a:fld id="{D2A48B96-639E-45A3-A0BA-2464DFDB1FAA}" type="datetimeFigureOut">
               <a:rPr lang="zh-CN" altLang="en-US" smtClean="0"/>
-              <a:t>2020/3/11</a:t>
+              <a:t>2021/7/5</a:t>
             </a:fld>
             <a:endParaRPr lang="zh-CN" altLang="en-US"/>
           </a:p>
@@ -1860,7 +1860,7 @@
           <a:p>
             <a:fld id="{82F288E0-7875-42C4-84C8-98DBBD3BF4D2}" type="datetimeFigureOut">
               <a:rPr lang="zh-CN" altLang="en-US" smtClean="0"/>
-              <a:t>2020/3/11</a:t>
+              <a:t>2021/7/5</a:t>
             </a:fld>
             <a:endParaRPr lang="zh-CN" altLang="en-US"/>
           </a:p>
@@ -2006,7 +2006,7 @@
           <a:p>
             <a:fld id="{82F288E0-7875-42C4-84C8-98DBBD3BF4D2}" type="datetimeFigureOut">
               <a:rPr lang="zh-CN" altLang="en-US" smtClean="0"/>
-              <a:t>2020/3/11</a:t>
+              <a:t>2021/7/5</a:t>
             </a:fld>
             <a:endParaRPr lang="zh-CN" altLang="en-US"/>
           </a:p>
@@ -2096,7 +2096,7 @@
           <a:p>
             <a:fld id="{DA970CFD-30F9-354E-91BC-97C3C93D9F5B}" type="datetimeFigureOut">
               <a:rPr kumimoji="1" lang="zh-CN" altLang="en-US" smtClean="0"/>
-              <a:t>2020/3/11</a:t>
+              <a:t>2021/7/5</a:t>
             </a:fld>
             <a:endParaRPr kumimoji="1" lang="zh-CN" altLang="en-US"/>
           </a:p>
@@ -2561,7 +2561,7 @@
           <a:p>
             <a:fld id="{82F288E0-7875-42C4-84C8-98DBBD3BF4D2}" type="datetimeFigureOut">
               <a:rPr lang="zh-CN" altLang="en-US" smtClean="0"/>
-              <a:t>2020/3/11</a:t>
+              <a:t>2021/7/5</a:t>
             </a:fld>
             <a:endParaRPr lang="zh-CN" altLang="en-US"/>
           </a:p>
@@ -2801,7 +2801,7 @@
           <a:p>
             <a:fld id="{82F288E0-7875-42C4-84C8-98DBBD3BF4D2}" type="datetimeFigureOut">
               <a:rPr lang="zh-CN" altLang="en-US" smtClean="0"/>
-              <a:t>2020/3/11</a:t>
+              <a:t>2021/7/5</a:t>
             </a:fld>
             <a:endParaRPr lang="zh-CN" altLang="en-US"/>
           </a:p>
@@ -3025,7 +3025,7 @@
           <a:p>
             <a:fld id="{82F288E0-7875-42C4-84C8-98DBBD3BF4D2}" type="datetimeFigureOut">
               <a:rPr lang="zh-CN" altLang="en-US" smtClean="0"/>
-              <a:t>2020/3/11</a:t>
+              <a:t>2021/7/5</a:t>
             </a:fld>
             <a:endParaRPr lang="zh-CN" altLang="en-US"/>
           </a:p>
@@ -3384,7 +3384,7 @@
           <a:p>
             <a:fld id="{82F288E0-7875-42C4-84C8-98DBBD3BF4D2}" type="datetimeFigureOut">
               <a:rPr lang="zh-CN" altLang="en-US" smtClean="0"/>
-              <a:t>2020/3/11</a:t>
+              <a:t>2021/7/5</a:t>
             </a:fld>
             <a:endParaRPr lang="zh-CN" altLang="en-US"/>
           </a:p>
@@ -3509,7 +3509,7 @@
           <a:p>
             <a:fld id="{82F288E0-7875-42C4-84C8-98DBBD3BF4D2}" type="datetimeFigureOut">
               <a:rPr lang="zh-CN" altLang="en-US" smtClean="0"/>
-              <a:t>2020/3/11</a:t>
+              <a:t>2021/7/5</a:t>
             </a:fld>
             <a:endParaRPr lang="zh-CN" altLang="en-US"/>
           </a:p>
@@ -3599,7 +3599,7 @@
           <a:p>
             <a:fld id="{82F288E0-7875-42C4-84C8-98DBBD3BF4D2}" type="datetimeFigureOut">
               <a:rPr lang="zh-CN" altLang="en-US" smtClean="0"/>
-              <a:t>2020/3/11</a:t>
+              <a:t>2021/7/5</a:t>
             </a:fld>
             <a:endParaRPr lang="zh-CN" altLang="en-US"/>
           </a:p>
@@ -3846,7 +3846,7 @@
           <a:p>
             <a:fld id="{82F288E0-7875-42C4-84C8-98DBBD3BF4D2}" type="datetimeFigureOut">
               <a:rPr lang="zh-CN" altLang="en-US" smtClean="0"/>
-              <a:t>2020/3/11</a:t>
+              <a:t>2021/7/5</a:t>
             </a:fld>
             <a:endParaRPr lang="zh-CN" altLang="en-US"/>
           </a:p>
@@ -4019,7 +4019,7 @@
           <a:p>
             <a:fld id="{82F288E0-7875-42C4-84C8-98DBBD3BF4D2}" type="datetimeFigureOut">
               <a:rPr lang="zh-CN" altLang="en-US" smtClean="0"/>
-              <a:t>2020/3/11</a:t>
+              <a:t>2021/7/5</a:t>
             </a:fld>
             <a:endParaRPr lang="zh-CN" altLang="en-US"/>
           </a:p>
@@ -4226,7 +4226,7 @@
           <a:p>
             <a:fld id="{82F288E0-7875-42C4-84C8-98DBBD3BF4D2}" type="datetimeFigureOut">
               <a:rPr lang="zh-CN" altLang="en-US" smtClean="0"/>
-              <a:t>2020/3/11</a:t>
+              <a:t>2021/7/5</a:t>
             </a:fld>
             <a:endParaRPr lang="zh-CN" altLang="en-US"/>
           </a:p>
@@ -5101,8 +5101,25 @@
                 <a:latin typeface="微软雅黑" panose="020B0503020204020204" pitchFamily="34" charset="-122"/>
                 <a:ea typeface="微软雅黑" panose="020B0503020204020204" pitchFamily="34" charset="-122"/>
               </a:rPr>
-              <a:t>东南大学软件工程硕士生</a:t>
-            </a:r>
+              <a:t>东南</a:t>
+            </a:r>
+            <a:r>
+              <a:rPr lang="zh-CN" altLang="en-US" sz="4000" b="1">
+                <a:solidFill>
+                  <a:prstClr val="white"/>
+                </a:solidFill>
+                <a:latin typeface="微软雅黑" panose="020B0503020204020204" pitchFamily="34" charset="-122"/>
+                <a:ea typeface="微软雅黑" panose="020B0503020204020204" pitchFamily="34" charset="-122"/>
+              </a:rPr>
+              <a:t>大学软件学院</a:t>
+            </a:r>
+            <a:endParaRPr lang="zh-CN" altLang="en-US" sz="4000" b="1" dirty="0">
+              <a:solidFill>
+                <a:prstClr val="white"/>
+              </a:solidFill>
+              <a:latin typeface="微软雅黑" panose="020B0503020204020204" pitchFamily="34" charset="-122"/>
+              <a:ea typeface="微软雅黑" panose="020B0503020204020204" pitchFamily="34" charset="-122"/>
+            </a:endParaRPr>
           </a:p>
           <a:p>
             <a:pPr algn="ctr">
